--- a/easter-camp-4you.pptx
+++ b/easter-camp-4you.pptx
@@ -250,7 +250,7 @@
             <a:fld id="{1DE7078C-3525-4C9B-BF62-C9FD13B9A875}" type="datetimeFigureOut">
               <a:rPr lang="en-US" smtClean="0"/>
               <a:pPr/>
-              <a:t>4/27/2021</a:t>
+              <a:t>5/4/2021</a:t>
             </a:fld>
             <a:endParaRPr lang="en-US" dirty="0"/>
           </a:p>
@@ -423,7 +423,7 @@
             <a:fld id="{436E8A87-18DA-4CCE-A8C2-BDBC489258C6}" type="slidenum">
               <a:rPr lang="en-US" smtClean="0"/>
               <a:pPr/>
-              <a:t>‹#›</a:t>
+              <a:t>‹Nr.›</a:t>
             </a:fld>
             <a:endParaRPr lang="en-US" dirty="0"/>
           </a:p>
@@ -2521,7 +2521,7 @@
           <a:p>
             <a:fld id="{3BC4F144-4281-430C-83BC-6DA9C2529187}" type="datetime4">
               <a:rPr lang="en-US" smtClean="0"/>
-              <a:t>April 27, 2021</a:t>
+              <a:t>May 4, 2021</a:t>
             </a:fld>
             <a:endParaRPr lang="en-US" dirty="0"/>
           </a:p>
@@ -4327,7 +4327,7 @@
             <a:fld id="{1F90F471-3972-4120-B8B3-0237DE626C35}" type="slidenum">
               <a:rPr lang="en-US" smtClean="0"/>
               <a:pPr/>
-              <a:t>‹#›</a:t>
+              <a:t>‹Nr.›</a:t>
             </a:fld>
             <a:endParaRPr lang="en-US" dirty="0"/>
           </a:p>
@@ -4791,7 +4791,7 @@
             <a:fld id="{1F90F471-3972-4120-B8B3-0237DE626C35}" type="slidenum">
               <a:rPr lang="en-US" smtClean="0"/>
               <a:pPr/>
-              <a:t>‹#›</a:t>
+              <a:t>‹Nr.›</a:t>
             </a:fld>
             <a:endParaRPr lang="en-US" dirty="0"/>
           </a:p>
@@ -5413,7 +5413,7 @@
             <a:fld id="{1F90F471-3972-4120-B8B3-0237DE626C35}" type="slidenum">
               <a:rPr lang="en-US" smtClean="0"/>
               <a:pPr/>
-              <a:t>‹#›</a:t>
+              <a:t>‹Nr.›</a:t>
             </a:fld>
             <a:endParaRPr lang="en-US" dirty="0"/>
           </a:p>
@@ -7522,7 +7522,7 @@
             <a:fld id="{1F90F471-3972-4120-B8B3-0237DE626C35}" type="slidenum">
               <a:rPr lang="en-US" smtClean="0"/>
               <a:pPr/>
-              <a:t>‹#›</a:t>
+              <a:t>‹Nr.›</a:t>
             </a:fld>
             <a:endParaRPr lang="en-US" dirty="0"/>
           </a:p>
@@ -7764,7 +7764,7 @@
             <a:fld id="{1F90F471-3972-4120-B8B3-0237DE626C35}" type="slidenum">
               <a:rPr lang="en-US" smtClean="0"/>
               <a:pPr/>
-              <a:t>‹#›</a:t>
+              <a:t>‹Nr.›</a:t>
             </a:fld>
             <a:endParaRPr lang="en-US" dirty="0"/>
           </a:p>
@@ -8116,7 +8116,7 @@
             <a:fld id="{1F90F471-3972-4120-B8B3-0237DE626C35}" type="slidenum">
               <a:rPr lang="en-US" smtClean="0"/>
               <a:pPr/>
-              <a:t>‹#›</a:t>
+              <a:t>‹Nr.›</a:t>
             </a:fld>
             <a:endParaRPr lang="en-US" dirty="0"/>
           </a:p>
@@ -8387,7 +8387,7 @@
             <a:fld id="{1F90F471-3972-4120-B8B3-0237DE626C35}" type="slidenum">
               <a:rPr lang="en-US" smtClean="0"/>
               <a:pPr/>
-              <a:t>‹#›</a:t>
+              <a:t>‹Nr.›</a:t>
             </a:fld>
             <a:endParaRPr lang="en-US" dirty="0"/>
           </a:p>
@@ -8732,7 +8732,7 @@
             <a:fld id="{1F90F471-3972-4120-B8B3-0237DE626C35}" type="slidenum">
               <a:rPr lang="en-US" smtClean="0"/>
               <a:pPr/>
-              <a:t>‹#›</a:t>
+              <a:t>‹Nr.›</a:t>
             </a:fld>
             <a:endParaRPr lang="en-US" dirty="0"/>
           </a:p>
@@ -9102,7 +9102,7 @@
             <a:fld id="{1F90F471-3972-4120-B8B3-0237DE626C35}" type="slidenum">
               <a:rPr lang="en-US" smtClean="0"/>
               <a:pPr/>
-              <a:t>‹#›</a:t>
+              <a:t>‹Nr.›</a:t>
             </a:fld>
             <a:endParaRPr lang="en-US" dirty="0"/>
           </a:p>
@@ -11951,7 +11951,7 @@
             <a:fld id="{1F90F471-3972-4120-B8B3-0237DE626C35}" type="slidenum">
               <a:rPr lang="en-US" smtClean="0"/>
               <a:pPr/>
-              <a:t>‹#›</a:t>
+              <a:t>‹Nr.›</a:t>
             </a:fld>
             <a:endParaRPr lang="en-US" dirty="0"/>
           </a:p>
@@ -12522,7 +12522,7 @@
             <a:fld id="{1F90F471-3972-4120-B8B3-0237DE626C35}" type="slidenum">
               <a:rPr lang="en-US" smtClean="0"/>
               <a:pPr/>
-              <a:t>‹#›</a:t>
+              <a:t>‹Nr.›</a:t>
             </a:fld>
             <a:endParaRPr lang="en-US" dirty="0"/>
           </a:p>
@@ -13555,7 +13555,7 @@
             <a:fld id="{1F90F471-3972-4120-B8B3-0237DE626C35}" type="slidenum">
               <a:rPr lang="en-US" smtClean="0"/>
               <a:pPr/>
-              <a:t>‹#›</a:t>
+              <a:t>‹Nr.›</a:t>
             </a:fld>
             <a:endParaRPr lang="en-US" dirty="0"/>
           </a:p>
@@ -14807,7 +14807,7 @@
             <a:fld id="{1F90F471-3972-4120-B8B3-0237DE626C35}" type="slidenum">
               <a:rPr lang="en-US" smtClean="0"/>
               <a:pPr/>
-              <a:t>‹#›</a:t>
+              <a:t>‹Nr.›</a:t>
             </a:fld>
             <a:endParaRPr lang="en-US" dirty="0"/>
           </a:p>
@@ -15916,7 +15916,7 @@
             <a:fld id="{1F90F471-3972-4120-B8B3-0237DE626C35}" type="slidenum">
               <a:rPr lang="en-US" smtClean="0"/>
               <a:pPr/>
-              <a:t>‹#›</a:t>
+              <a:t>‹Nr.›</a:t>
             </a:fld>
             <a:endParaRPr lang="en-US" dirty="0"/>
           </a:p>
@@ -17026,7 +17026,7 @@
             <a:fld id="{1F90F471-3972-4120-B8B3-0237DE626C35}" type="slidenum">
               <a:rPr lang="en-US" smtClean="0"/>
               <a:pPr/>
-              <a:t>‹#›</a:t>
+              <a:t>‹Nr.›</a:t>
             </a:fld>
             <a:endParaRPr lang="en-US" dirty="0"/>
           </a:p>
@@ -17842,7 +17842,7 @@
             <a:fld id="{1F90F471-3972-4120-B8B3-0237DE626C35}" type="slidenum">
               <a:rPr lang="en-US" smtClean="0"/>
               <a:pPr/>
-              <a:t>‹#›</a:t>
+              <a:t>‹Nr.›</a:t>
             </a:fld>
             <a:endParaRPr lang="en-US" dirty="0"/>
           </a:p>
@@ -18865,7 +18865,7 @@
             <a:fld id="{1F90F471-3972-4120-B8B3-0237DE626C35}" type="slidenum">
               <a:rPr lang="en-US" smtClean="0"/>
               <a:pPr/>
-              <a:t>‹#›</a:t>
+              <a:t>‹Nr.›</a:t>
             </a:fld>
             <a:endParaRPr lang="en-US" dirty="0"/>
           </a:p>
@@ -20298,7 +20298,7 @@
             <a:fld id="{1F90F471-3972-4120-B8B3-0237DE626C35}" type="slidenum">
               <a:rPr lang="en-US" smtClean="0"/>
               <a:pPr/>
-              <a:t>‹#›</a:t>
+              <a:t>‹Nr.›</a:t>
             </a:fld>
             <a:endParaRPr lang="en-US" dirty="0"/>
           </a:p>
@@ -21989,7 +21989,7 @@
             <a:fld id="{1F90F471-3972-4120-B8B3-0237DE626C35}" type="slidenum">
               <a:rPr lang="en-US" smtClean="0"/>
               <a:pPr/>
-              <a:t>‹#›</a:t>
+              <a:t>‹Nr.›</a:t>
             </a:fld>
             <a:endParaRPr lang="en-US" dirty="0"/>
           </a:p>
@@ -22885,7 +22885,7 @@
             <a:fld id="{1F90F471-3972-4120-B8B3-0237DE626C35}" type="slidenum">
               <a:rPr lang="en-US" smtClean="0"/>
               <a:pPr/>
-              <a:t>‹#›</a:t>
+              <a:t>‹Nr.›</a:t>
             </a:fld>
             <a:endParaRPr lang="en-US" dirty="0"/>
           </a:p>
@@ -23394,7 +23394,7 @@
             <a:fld id="{1F90F471-3972-4120-B8B3-0237DE626C35}" type="slidenum">
               <a:rPr lang="en-US" smtClean="0"/>
               <a:pPr/>
-              <a:t>‹#›</a:t>
+              <a:t>‹Nr.›</a:t>
             </a:fld>
             <a:endParaRPr lang="en-US" dirty="0"/>
           </a:p>
@@ -23769,7 +23769,7 @@
             <a:fld id="{1F90F471-3972-4120-B8B3-0237DE626C35}" type="slidenum">
               <a:rPr lang="en-US" smtClean="0"/>
               <a:pPr/>
-              <a:t>‹#›</a:t>
+              <a:t>‹Nr.›</a:t>
             </a:fld>
             <a:endParaRPr lang="en-US" dirty="0"/>
           </a:p>
@@ -23987,7 +23987,7 @@
             <a:fld id="{1F90F471-3972-4120-B8B3-0237DE626C35}" type="slidenum">
               <a:rPr lang="en-US" smtClean="0"/>
               <a:pPr/>
-              <a:t>‹#›</a:t>
+              <a:t>‹Nr.›</a:t>
             </a:fld>
             <a:endParaRPr lang="en-US" dirty="0"/>
           </a:p>
@@ -25208,7 +25208,7 @@
             <a:fld id="{1F90F471-3972-4120-B8B3-0237DE626C35}" type="slidenum">
               <a:rPr lang="en-US" smtClean="0"/>
               <a:pPr/>
-              <a:t>‹#›</a:t>
+              <a:t>‹Nr.›</a:t>
             </a:fld>
             <a:endParaRPr lang="en-US" dirty="0"/>
           </a:p>
@@ -26567,7 +26567,7 @@
             <a:fld id="{1F90F471-3972-4120-B8B3-0237DE626C35}" type="slidenum">
               <a:rPr lang="en-US" smtClean="0"/>
               <a:pPr/>
-              <a:t>‹#›</a:t>
+              <a:t>‹Nr.›</a:t>
             </a:fld>
             <a:endParaRPr lang="en-US" dirty="0">
               <a:solidFill>
@@ -26899,7 +26899,7 @@
             <a:fld id="{1F90F471-3972-4120-B8B3-0237DE626C35}" type="slidenum">
               <a:rPr lang="en-US" smtClean="0"/>
               <a:pPr/>
-              <a:t>‹#›</a:t>
+              <a:t>‹Nr.›</a:t>
             </a:fld>
             <a:endParaRPr lang="en-US" dirty="0"/>
           </a:p>
@@ -27265,7 +27265,7 @@
             <a:fld id="{1F90F471-3972-4120-B8B3-0237DE626C35}" type="slidenum">
               <a:rPr lang="en-US" smtClean="0"/>
               <a:pPr/>
-              <a:t>‹#›</a:t>
+              <a:t>‹Nr.›</a:t>
             </a:fld>
             <a:endParaRPr lang="en-US" dirty="0"/>
           </a:p>
@@ -27597,7 +27597,7 @@
             <a:fld id="{1F90F471-3972-4120-B8B3-0237DE626C35}" type="slidenum">
               <a:rPr lang="en-US" smtClean="0"/>
               <a:pPr/>
-              <a:t>‹#›</a:t>
+              <a:t>‹Nr.›</a:t>
             </a:fld>
             <a:endParaRPr lang="en-US" dirty="0"/>
           </a:p>
@@ -27759,7 +27759,7 @@
             <a:fld id="{1F90F471-3972-4120-B8B3-0237DE626C35}" type="slidenum">
               <a:rPr lang="en-US" smtClean="0"/>
               <a:pPr/>
-              <a:t>‹#›</a:t>
+              <a:t>‹Nr.›</a:t>
             </a:fld>
             <a:endParaRPr lang="en-US" dirty="0"/>
           </a:p>
@@ -29577,7 +29577,7 @@
             <a:fld id="{1F90F471-3972-4120-B8B3-0237DE626C35}" type="slidenum">
               <a:rPr lang="en-US" smtClean="0"/>
               <a:pPr/>
-              <a:t>‹#›</a:t>
+              <a:t>‹Nr.›</a:t>
             </a:fld>
             <a:endParaRPr lang="en-US" dirty="0"/>
           </a:p>
@@ -29707,7 +29707,7 @@
             <a:fld id="{1F90F471-3972-4120-B8B3-0237DE626C35}" type="slidenum">
               <a:rPr lang="en-US" smtClean="0"/>
               <a:pPr/>
-              <a:t>‹#›</a:t>
+              <a:t>‹Nr.›</a:t>
             </a:fld>
             <a:endParaRPr lang="en-US" dirty="0"/>
           </a:p>
@@ -29944,7 +29944,7 @@
           <a:p>
             <a:fld id="{AAC28237-9FD8-4128-9EDC-3BFB86EFF314}" type="datetime4">
               <a:rPr lang="en-US" smtClean="0"/>
-              <a:t>April 27, 2021</a:t>
+              <a:t>May 4, 2021</a:t>
             </a:fld>
             <a:endParaRPr lang="en-US" dirty="0"/>
           </a:p>
@@ -32759,7 +32759,7 @@
           <a:p>
             <a:fld id="{F02D750F-3199-4F33-848C-128C8A426641}" type="datetime4">
               <a:rPr lang="en-US" smtClean="0"/>
-              <a:t>April 27, 2021</a:t>
+              <a:t>May 4, 2021</a:t>
             </a:fld>
             <a:endParaRPr lang="en-US" dirty="0"/>
           </a:p>
@@ -34651,7 +34651,7 @@
           <a:p>
             <a:fld id="{452E4A01-AC4C-4569-9C53-165278A98CF2}" type="datetime4">
               <a:rPr lang="en-US" smtClean="0"/>
-              <a:t>April 27, 2021</a:t>
+              <a:t>May 4, 2021</a:t>
             </a:fld>
             <a:endParaRPr lang="en-US" dirty="0"/>
           </a:p>
@@ -37222,7 +37222,7 @@
           <a:p>
             <a:fld id="{B7841F38-38D9-48C1-8759-D0E8D2DC10B4}" type="datetime4">
               <a:rPr lang="en-US" smtClean="0"/>
-              <a:t>April 27, 2021</a:t>
+              <a:t>May 4, 2021</a:t>
             </a:fld>
             <a:endParaRPr lang="en-US" dirty="0"/>
           </a:p>
@@ -40107,7 +40107,7 @@
           <a:p>
             <a:fld id="{04D25E0B-46C8-4C3E-B77F-6641A498D018}" type="datetime4">
               <a:rPr lang="en-US" smtClean="0"/>
-              <a:t>April 27, 2021</a:t>
+              <a:t>May 4, 2021</a:t>
             </a:fld>
             <a:endParaRPr lang="en-US" dirty="0"/>
           </a:p>
@@ -42594,7 +42594,7 @@
           <a:p>
             <a:fld id="{67390863-73AE-4DB5-B5A7-0282C9D8BB98}" type="datetime4">
               <a:rPr lang="en-US" smtClean="0"/>
-              <a:t>April 27, 2021</a:t>
+              <a:t>May 4, 2021</a:t>
             </a:fld>
             <a:endParaRPr lang="en-US" dirty="0"/>
           </a:p>
@@ -42819,7 +42819,7 @@
             <a:fld id="{1F90F471-3972-4120-B8B3-0237DE626C35}" type="slidenum">
               <a:rPr lang="en-US" smtClean="0"/>
               <a:pPr/>
-              <a:t>‹#›</a:t>
+              <a:t>‹Nr.›</a:t>
             </a:fld>
             <a:endParaRPr lang="en-US" dirty="0"/>
           </a:p>
@@ -43466,7 +43466,7 @@
           <a:p>
             <a:fld id="{5FCDF7E1-DCD9-4AE0-9C9C-60007DF63415}" type="datetime4">
               <a:rPr lang="en-US" smtClean="0"/>
-              <a:t>April 27, 2021</a:t>
+              <a:t>May 4, 2021</a:t>
             </a:fld>
             <a:endParaRPr lang="en-US" dirty="0"/>
           </a:p>
@@ -44664,6 +44664,21 @@
             <a:r>
               <a:rPr lang="en-US" dirty="0"/>
               <a:t>2. LJ Accenture</a:t>
+            </a:r>
+          </a:p>
+          <a:p>
+            <a:endParaRPr lang="en-US" dirty="0"/>
+          </a:p>
+          <a:p>
+            <a:endParaRPr lang="en-US" dirty="0"/>
+          </a:p>
+          <a:p>
+            <a:endParaRPr lang="en-US" sz="1100" dirty="0"/>
+          </a:p>
+          <a:p>
+            <a:r>
+              <a:rPr lang="en-US" sz="1100" dirty="0"/>
+              <a:t>stefan.hehlen@accenture.com</a:t>
             </a:r>
           </a:p>
         </p:txBody>
@@ -45702,9 +45717,17 @@
             </a:br>
             <a:r>
               <a:rPr lang="en-GB" dirty="0"/>
-              <a:t>Java</a:t>
-            </a:r>
-            <a:endParaRPr lang="en-US" dirty="0"/>
+              <a:t>Java – JDK 13</a:t>
+            </a:r>
+          </a:p>
+          <a:p>
+            <a:endParaRPr lang="en-GB" dirty="0"/>
+          </a:p>
+          <a:p>
+            <a:r>
+              <a:rPr lang="en-US" sz="1100" dirty="0"/>
+              <a:t>https://github.com/TheHehlen/EasterCamp4you_DiscordBot</a:t>
+            </a:r>
           </a:p>
         </p:txBody>
       </p:sp>
@@ -46372,18 +46395,18 @@
 </file>
 
 <file path=customXml/item1.xml><?xml version="1.0" encoding="utf-8"?>
-<p:properties xmlns:p="http://schemas.microsoft.com/office/2006/metadata/properties" xmlns:xsi="http://www.w3.org/2001/XMLSchema-instance" xmlns:pc="http://schemas.microsoft.com/office/infopath/2007/PartnerControls">
-  <documentManagement/>
-</p:properties>
-</file>
-
-<file path=customXml/item2.xml><?xml version="1.0" encoding="utf-8"?>
 <?mso-contentType ?>
 <FormTemplates xmlns="http://schemas.microsoft.com/sharepoint/v3/contenttype/forms">
   <Display>DocumentLibraryForm</Display>
   <Edit>DocumentLibraryForm</Edit>
   <New>DocumentLibraryForm</New>
 </FormTemplates>
+</file>
+
+<file path=customXml/item2.xml><?xml version="1.0" encoding="utf-8"?>
+<p:properties xmlns:p="http://schemas.microsoft.com/office/2006/metadata/properties" xmlns:xsi="http://www.w3.org/2001/XMLSchema-instance" xmlns:pc="http://schemas.microsoft.com/office/infopath/2007/PartnerControls">
+  <documentManagement/>
+</p:properties>
 </file>
 
 <file path=customXml/item3.xml><?xml version="1.0" encoding="utf-8"?>
@@ -46610,6 +46633,14 @@
 </file>
 
 <file path=customXml/itemProps1.xml><?xml version="1.0" encoding="utf-8"?>
+<ds:datastoreItem xmlns:ds="http://schemas.openxmlformats.org/officeDocument/2006/customXml" ds:itemID="{79831B46-6CD1-40D2-9FB5-3E58559F90A3}">
+  <ds:schemaRefs>
+    <ds:schemaRef ds:uri="http://schemas.microsoft.com/sharepoint/v3/contenttype/forms"/>
+  </ds:schemaRefs>
+</ds:datastoreItem>
+</file>
+
+<file path=customXml/itemProps2.xml><?xml version="1.0" encoding="utf-8"?>
 <ds:datastoreItem xmlns:ds="http://schemas.openxmlformats.org/officeDocument/2006/customXml" ds:itemID="{46BFFC05-B2F6-4CED-BE65-F75B1EB7AD7B}">
   <ds:schemaRefs>
     <ds:schemaRef ds:uri="http://purl.org/dc/dcmitype/"/>
@@ -46622,14 +46653,6 @@
     <ds:schemaRef ds:uri="http://schemas.microsoft.com/office/infopath/2007/PartnerControls"/>
     <ds:schemaRef ds:uri="17c09f85-56e7-4417-b5d2-7fa4154de313"/>
     <ds:schemaRef ds:uri="http://www.w3.org/XML/1998/namespace"/>
-  </ds:schemaRefs>
-</ds:datastoreItem>
-</file>
-
-<file path=customXml/itemProps2.xml><?xml version="1.0" encoding="utf-8"?>
-<ds:datastoreItem xmlns:ds="http://schemas.openxmlformats.org/officeDocument/2006/customXml" ds:itemID="{79831B46-6CD1-40D2-9FB5-3E58559F90A3}">
-  <ds:schemaRefs>
-    <ds:schemaRef ds:uri="http://schemas.microsoft.com/sharepoint/v3/contenttype/forms"/>
   </ds:schemaRefs>
 </ds:datastoreItem>
 </file>
